--- a/Recommended Budget Project.pptx
+++ b/Recommended Budget Project.pptx
@@ -112,6 +112,11 @@
       </a:defRPr>
     </a:lvl9pPr>
   </p:defaultTextStyle>
+  <p:extLst>
+    <p:ext uri="{EFAFB233-063F-42B5-8137-9DF3F51BA10A}">
+      <p15:sldGuideLst xmlns:p15="http://schemas.microsoft.com/office/powerpoint/2012/main"/>
+    </p:ext>
+  </p:extLst>
 </p:presentation>
 </file>
 
@@ -246,7 +251,7 @@
           <a:p>
             <a:fld id="{1052E589-9C7E-4273-84F3-DF115BF0C6E0}" type="datetimeFigureOut">
               <a:rPr lang="en-US" smtClean="0"/>
-              <a:t>7/13/2020</a:t>
+              <a:t>7/14/2020</a:t>
             </a:fld>
             <a:endParaRPr lang="en-US"/>
           </a:p>
@@ -416,7 +421,7 @@
           <a:p>
             <a:fld id="{1052E589-9C7E-4273-84F3-DF115BF0C6E0}" type="datetimeFigureOut">
               <a:rPr lang="en-US" smtClean="0"/>
-              <a:t>7/13/2020</a:t>
+              <a:t>7/14/2020</a:t>
             </a:fld>
             <a:endParaRPr lang="en-US"/>
           </a:p>
@@ -596,7 +601,7 @@
           <a:p>
             <a:fld id="{1052E589-9C7E-4273-84F3-DF115BF0C6E0}" type="datetimeFigureOut">
               <a:rPr lang="en-US" smtClean="0"/>
-              <a:t>7/13/2020</a:t>
+              <a:t>7/14/2020</a:t>
             </a:fld>
             <a:endParaRPr lang="en-US"/>
           </a:p>
@@ -766,7 +771,7 @@
           <a:p>
             <a:fld id="{1052E589-9C7E-4273-84F3-DF115BF0C6E0}" type="datetimeFigureOut">
               <a:rPr lang="en-US" smtClean="0"/>
-              <a:t>7/13/2020</a:t>
+              <a:t>7/14/2020</a:t>
             </a:fld>
             <a:endParaRPr lang="en-US"/>
           </a:p>
@@ -1012,7 +1017,7 @@
           <a:p>
             <a:fld id="{1052E589-9C7E-4273-84F3-DF115BF0C6E0}" type="datetimeFigureOut">
               <a:rPr lang="en-US" smtClean="0"/>
-              <a:t>7/13/2020</a:t>
+              <a:t>7/14/2020</a:t>
             </a:fld>
             <a:endParaRPr lang="en-US"/>
           </a:p>
@@ -1244,7 +1249,7 @@
           <a:p>
             <a:fld id="{1052E589-9C7E-4273-84F3-DF115BF0C6E0}" type="datetimeFigureOut">
               <a:rPr lang="en-US" smtClean="0"/>
-              <a:t>7/13/2020</a:t>
+              <a:t>7/14/2020</a:t>
             </a:fld>
             <a:endParaRPr lang="en-US"/>
           </a:p>
@@ -1611,7 +1616,7 @@
           <a:p>
             <a:fld id="{1052E589-9C7E-4273-84F3-DF115BF0C6E0}" type="datetimeFigureOut">
               <a:rPr lang="en-US" smtClean="0"/>
-              <a:t>7/13/2020</a:t>
+              <a:t>7/14/2020</a:t>
             </a:fld>
             <a:endParaRPr lang="en-US"/>
           </a:p>
@@ -1729,7 +1734,7 @@
           <a:p>
             <a:fld id="{1052E589-9C7E-4273-84F3-DF115BF0C6E0}" type="datetimeFigureOut">
               <a:rPr lang="en-US" smtClean="0"/>
-              <a:t>7/13/2020</a:t>
+              <a:t>7/14/2020</a:t>
             </a:fld>
             <a:endParaRPr lang="en-US"/>
           </a:p>
@@ -1824,7 +1829,7 @@
           <a:p>
             <a:fld id="{1052E589-9C7E-4273-84F3-DF115BF0C6E0}" type="datetimeFigureOut">
               <a:rPr lang="en-US" smtClean="0"/>
-              <a:t>7/13/2020</a:t>
+              <a:t>7/14/2020</a:t>
             </a:fld>
             <a:endParaRPr lang="en-US"/>
           </a:p>
@@ -2101,7 +2106,7 @@
           <a:p>
             <a:fld id="{1052E589-9C7E-4273-84F3-DF115BF0C6E0}" type="datetimeFigureOut">
               <a:rPr lang="en-US" smtClean="0"/>
-              <a:t>7/13/2020</a:t>
+              <a:t>7/14/2020</a:t>
             </a:fld>
             <a:endParaRPr lang="en-US"/>
           </a:p>
@@ -2358,7 +2363,7 @@
           <a:p>
             <a:fld id="{1052E589-9C7E-4273-84F3-DF115BF0C6E0}" type="datetimeFigureOut">
               <a:rPr lang="en-US" smtClean="0"/>
-              <a:t>7/13/2020</a:t>
+              <a:t>7/14/2020</a:t>
             </a:fld>
             <a:endParaRPr lang="en-US"/>
           </a:p>
@@ -2580,7 +2585,7 @@
           <a:p>
             <a:fld id="{1052E589-9C7E-4273-84F3-DF115BF0C6E0}" type="datetimeFigureOut">
               <a:rPr lang="en-US" smtClean="0"/>
-              <a:t>7/13/2020</a:t>
+              <a:t>7/14/2020</a:t>
             </a:fld>
             <a:endParaRPr lang="en-US"/>
           </a:p>
@@ -3179,19 +3184,19 @@
         </p:nvSpPr>
         <p:spPr>
           <a:xfrm>
-            <a:off x="386069" y="1136234"/>
-            <a:ext cx="4368800" cy="1099127"/>
+            <a:off x="330144" y="1001126"/>
+            <a:ext cx="4659710" cy="1099127"/>
           </a:xfrm>
         </p:spPr>
         <p:txBody>
           <a:bodyPr>
-            <a:normAutofit/>
+            <a:normAutofit fontScale="92500"/>
           </a:bodyPr>
           <a:lstStyle/>
           <a:p>
             <a:r>
               <a:rPr lang="en-US" i="1" dirty="0"/>
-              <a:t>“Professional budgeting made easy for you!”</a:t>
+              <a:t>“Professional suggested budgeting made easy for you!”</a:t>
             </a:r>
           </a:p>
         </p:txBody>

--- a/Recommended Budget Project.pptx
+++ b/Recommended Budget Project.pptx
@@ -5,15 +5,14 @@
     <p:sldMasterId id="2147483720" r:id="rId1"/>
   </p:sldMasterIdLst>
   <p:sldIdLst>
-    <p:sldId id="256" r:id="rId2"/>
-    <p:sldId id="257" r:id="rId3"/>
-    <p:sldId id="258" r:id="rId4"/>
-    <p:sldId id="259" r:id="rId5"/>
-    <p:sldId id="260" r:id="rId6"/>
-    <p:sldId id="261" r:id="rId7"/>
-    <p:sldId id="262" r:id="rId8"/>
-    <p:sldId id="263" r:id="rId9"/>
-    <p:sldId id="264" r:id="rId10"/>
+    <p:sldId id="266" r:id="rId2"/>
+    <p:sldId id="258" r:id="rId3"/>
+    <p:sldId id="259" r:id="rId4"/>
+    <p:sldId id="260" r:id="rId5"/>
+    <p:sldId id="261" r:id="rId6"/>
+    <p:sldId id="262" r:id="rId7"/>
+    <p:sldId id="263" r:id="rId8"/>
+    <p:sldId id="264" r:id="rId9"/>
   </p:sldIdLst>
   <p:sldSz cx="12192000" cy="6858000"/>
   <p:notesSz cx="6858000" cy="9144000"/>
@@ -251,7 +250,7 @@
           <a:p>
             <a:fld id="{1052E589-9C7E-4273-84F3-DF115BF0C6E0}" type="datetimeFigureOut">
               <a:rPr lang="en-US" smtClean="0"/>
-              <a:t>7/14/2020</a:t>
+              <a:t>7/18/2020</a:t>
             </a:fld>
             <a:endParaRPr lang="en-US"/>
           </a:p>
@@ -421,7 +420,7 @@
           <a:p>
             <a:fld id="{1052E589-9C7E-4273-84F3-DF115BF0C6E0}" type="datetimeFigureOut">
               <a:rPr lang="en-US" smtClean="0"/>
-              <a:t>7/14/2020</a:t>
+              <a:t>7/18/2020</a:t>
             </a:fld>
             <a:endParaRPr lang="en-US"/>
           </a:p>
@@ -601,7 +600,7 @@
           <a:p>
             <a:fld id="{1052E589-9C7E-4273-84F3-DF115BF0C6E0}" type="datetimeFigureOut">
               <a:rPr lang="en-US" smtClean="0"/>
-              <a:t>7/14/2020</a:t>
+              <a:t>7/18/2020</a:t>
             </a:fld>
             <a:endParaRPr lang="en-US"/>
           </a:p>
@@ -771,7 +770,7 @@
           <a:p>
             <a:fld id="{1052E589-9C7E-4273-84F3-DF115BF0C6E0}" type="datetimeFigureOut">
               <a:rPr lang="en-US" smtClean="0"/>
-              <a:t>7/14/2020</a:t>
+              <a:t>7/18/2020</a:t>
             </a:fld>
             <a:endParaRPr lang="en-US"/>
           </a:p>
@@ -1017,7 +1016,7 @@
           <a:p>
             <a:fld id="{1052E589-9C7E-4273-84F3-DF115BF0C6E0}" type="datetimeFigureOut">
               <a:rPr lang="en-US" smtClean="0"/>
-              <a:t>7/14/2020</a:t>
+              <a:t>7/18/2020</a:t>
             </a:fld>
             <a:endParaRPr lang="en-US"/>
           </a:p>
@@ -1249,7 +1248,7 @@
           <a:p>
             <a:fld id="{1052E589-9C7E-4273-84F3-DF115BF0C6E0}" type="datetimeFigureOut">
               <a:rPr lang="en-US" smtClean="0"/>
-              <a:t>7/14/2020</a:t>
+              <a:t>7/18/2020</a:t>
             </a:fld>
             <a:endParaRPr lang="en-US"/>
           </a:p>
@@ -1616,7 +1615,7 @@
           <a:p>
             <a:fld id="{1052E589-9C7E-4273-84F3-DF115BF0C6E0}" type="datetimeFigureOut">
               <a:rPr lang="en-US" smtClean="0"/>
-              <a:t>7/14/2020</a:t>
+              <a:t>7/18/2020</a:t>
             </a:fld>
             <a:endParaRPr lang="en-US"/>
           </a:p>
@@ -1734,7 +1733,7 @@
           <a:p>
             <a:fld id="{1052E589-9C7E-4273-84F3-DF115BF0C6E0}" type="datetimeFigureOut">
               <a:rPr lang="en-US" smtClean="0"/>
-              <a:t>7/14/2020</a:t>
+              <a:t>7/18/2020</a:t>
             </a:fld>
             <a:endParaRPr lang="en-US"/>
           </a:p>
@@ -1829,7 +1828,7 @@
           <a:p>
             <a:fld id="{1052E589-9C7E-4273-84F3-DF115BF0C6E0}" type="datetimeFigureOut">
               <a:rPr lang="en-US" smtClean="0"/>
-              <a:t>7/14/2020</a:t>
+              <a:t>7/18/2020</a:t>
             </a:fld>
             <a:endParaRPr lang="en-US"/>
           </a:p>
@@ -2106,7 +2105,7 @@
           <a:p>
             <a:fld id="{1052E589-9C7E-4273-84F3-DF115BF0C6E0}" type="datetimeFigureOut">
               <a:rPr lang="en-US" smtClean="0"/>
-              <a:t>7/14/2020</a:t>
+              <a:t>7/18/2020</a:t>
             </a:fld>
             <a:endParaRPr lang="en-US"/>
           </a:p>
@@ -2363,7 +2362,7 @@
           <a:p>
             <a:fld id="{1052E589-9C7E-4273-84F3-DF115BF0C6E0}" type="datetimeFigureOut">
               <a:rPr lang="en-US" smtClean="0"/>
-              <a:t>7/14/2020</a:t>
+              <a:t>7/18/2020</a:t>
             </a:fld>
             <a:endParaRPr lang="en-US"/>
           </a:p>
@@ -2585,7 +2584,7 @@
           <a:p>
             <a:fld id="{1052E589-9C7E-4273-84F3-DF115BF0C6E0}" type="datetimeFigureOut">
               <a:rPr lang="en-US" smtClean="0"/>
-              <a:t>7/14/2020</a:t>
+              <a:t>7/18/2020</a:t>
             </a:fld>
             <a:endParaRPr lang="en-US"/>
           </a:p>
@@ -3008,8 +3007,8 @@
         </p:nvSpPr>
         <p:spPr>
           <a:xfrm>
-            <a:off x="1524000" y="985182"/>
-            <a:ext cx="9144000" cy="3457654"/>
+            <a:off x="1111541" y="83890"/>
+            <a:ext cx="9968917" cy="902682"/>
           </a:xfrm>
         </p:spPr>
         <p:txBody>
@@ -3020,23 +3019,7 @@
           <a:p>
             <a:r>
               <a:rPr lang="en-US" b="1" u="sng" dirty="0"/>
-              <a:t>Recommend </a:t>
-            </a:r>
-            <a:br>
-              <a:rPr lang="en-US" b="1" u="sng" dirty="0"/>
-            </a:br>
-            <a:br>
-              <a:rPr lang="en-US" b="1" u="sng" dirty="0"/>
-            </a:br>
-            <a:br>
-              <a:rPr lang="en-US" b="1" u="sng" dirty="0"/>
-            </a:br>
-            <a:br>
-              <a:rPr lang="en-US" b="1" u="sng" dirty="0"/>
-            </a:br>
-            <a:r>
-              <a:rPr lang="en-US" b="1" u="sng" dirty="0"/>
-              <a:t>Calculator</a:t>
+              <a:t>Recommend Budget Calculator</a:t>
             </a:r>
           </a:p>
         </p:txBody>
@@ -3059,8 +3042,8 @@
         </p:nvSpPr>
         <p:spPr>
           <a:xfrm>
-            <a:off x="1524000" y="4926235"/>
-            <a:ext cx="9144000" cy="1655762"/>
+            <a:off x="4563609" y="1000021"/>
+            <a:ext cx="3064779" cy="439556"/>
           </a:xfrm>
         </p:spPr>
         <p:txBody>
@@ -3074,139 +3057,76 @@
           </a:p>
         </p:txBody>
       </p:sp>
-      <p:pic>
-        <p:nvPicPr>
-          <p:cNvPr id="4" name="Picture 3">
+      <p:sp>
+        <p:nvSpPr>
+          <p:cNvPr id="5" name="Rectangle 4">
             <a:extLst>
               <a:ext uri="{FF2B5EF4-FFF2-40B4-BE49-F238E27FC236}">
-                <a16:creationId xmlns:a16="http://schemas.microsoft.com/office/drawing/2014/main" id="{951FE4F2-5E3E-4FC4-ABF6-05EFA0947950}"/>
+                <a16:creationId xmlns:a16="http://schemas.microsoft.com/office/drawing/2014/main" id="{C9ED9CAC-4CBA-4AAA-8C9A-534FAE9EA532}"/>
               </a:ext>
             </a:extLst>
           </p:cNvPr>
-          <p:cNvPicPr>
-            <a:picLocks noChangeAspect="1"/>
-          </p:cNvPicPr>
+          <p:cNvSpPr/>
           <p:nvPr/>
-        </p:nvPicPr>
-        <p:blipFill rotWithShape="1">
-          <a:blip r:embed="rId2"/>
-          <a:srcRect t="5290" r="-371" b="12747"/>
-          <a:stretch/>
-        </p:blipFill>
+        </p:nvSpPr>
         <p:spPr>
           <a:xfrm>
-            <a:off x="3695268" y="1468581"/>
-            <a:ext cx="4801464" cy="1960419"/>
+            <a:off x="1748587" y="1610263"/>
+            <a:ext cx="8694821" cy="523220"/>
           </a:xfrm>
           <a:prstGeom prst="rect">
             <a:avLst/>
           </a:prstGeom>
         </p:spPr>
-      </p:pic>
-    </p:spTree>
-    <p:extLst>
-      <p:ext uri="{BB962C8B-B14F-4D97-AF65-F5344CB8AC3E}">
-        <p14:creationId xmlns:p14="http://schemas.microsoft.com/office/powerpoint/2010/main" val="903157783"/>
-      </p:ext>
-    </p:extLst>
-  </p:cSld>
-  <p:clrMapOvr>
-    <a:masterClrMapping/>
-  </p:clrMapOvr>
-</p:sld>
-</file>
-
-<file path=ppt/slides/slide2.xml><?xml version="1.0" encoding="utf-8"?>
-<p:sld xmlns:a="http://schemas.openxmlformats.org/drawingml/2006/main" xmlns:r="http://schemas.openxmlformats.org/officeDocument/2006/relationships" xmlns:p="http://schemas.openxmlformats.org/presentationml/2006/main">
-  <p:cSld>
-    <p:spTree>
-      <p:nvGrpSpPr>
-        <p:cNvPr id="1" name=""/>
-        <p:cNvGrpSpPr/>
-        <p:nvPr/>
-      </p:nvGrpSpPr>
-      <p:grpSpPr>
-        <a:xfrm>
-          <a:off x="0" y="0"/>
-          <a:ext cx="0" cy="0"/>
-          <a:chOff x="0" y="0"/>
-          <a:chExt cx="0" cy="0"/>
-        </a:xfrm>
-      </p:grpSpPr>
-      <p:sp>
-        <p:nvSpPr>
-          <p:cNvPr id="2" name="Title 1">
+        <p:txBody>
+          <a:bodyPr wrap="square">
+            <a:spAutoFit/>
+          </a:bodyPr>
+          <a:lstStyle/>
+          <a:p>
+            <a:pPr marL="0" marR="0" lvl="0" indent="0" algn="l" defTabSz="914400" rtl="0" eaLnBrk="1" fontAlgn="auto" latinLnBrk="0" hangingPunct="1">
+              <a:lnSpc>
+                <a:spcPct val="100000"/>
+              </a:lnSpc>
+              <a:spcBef>
+                <a:spcPts val="0"/>
+              </a:spcBef>
+              <a:spcAft>
+                <a:spcPts val="0"/>
+              </a:spcAft>
+              <a:buClrTx/>
+              <a:buSzTx/>
+              <a:buFontTx/>
+              <a:buNone/>
+              <a:tabLst/>
+              <a:defRPr/>
+            </a:pPr>
+            <a:r>
+              <a:rPr kumimoji="0" lang="en-US" sz="2800" b="0" i="1" u="none" strike="noStrike" kern="1200" cap="none" spc="0" normalizeH="0" baseline="0" noProof="0" dirty="0">
+                <a:ln>
+                  <a:noFill/>
+                </a:ln>
+                <a:solidFill>
+                  <a:prstClr val="black"/>
+                </a:solidFill>
+                <a:effectLst/>
+                <a:uLnTx/>
+                <a:uFillTx/>
+                <a:latin typeface="Calibri" panose="020F0502020204030204"/>
+                <a:ea typeface="+mn-ea"/>
+                <a:cs typeface="+mn-cs"/>
+              </a:rPr>
+              <a:t>“Professional suggested budgeting made easy for you!”</a:t>
+            </a:r>
+          </a:p>
+        </p:txBody>
+      </p:sp>
+      <p:pic>
+        <p:nvPicPr>
+          <p:cNvPr id="7" name="Picture 6">
             <a:extLst>
               <a:ext uri="{FF2B5EF4-FFF2-40B4-BE49-F238E27FC236}">
-                <a16:creationId xmlns:a16="http://schemas.microsoft.com/office/drawing/2014/main" id="{D6FF959F-CCCE-4F70-BF37-09F3128DEC1B}"/>
-              </a:ext>
-            </a:extLst>
-          </p:cNvPr>
-          <p:cNvSpPr>
-            <a:spLocks noGrp="1"/>
-          </p:cNvSpPr>
-          <p:nvPr>
-            <p:ph type="title"/>
-          </p:nvPr>
-        </p:nvSpPr>
-        <p:spPr>
-          <a:xfrm>
-            <a:off x="1142919" y="80440"/>
-            <a:ext cx="2491094" cy="980859"/>
-          </a:xfrm>
-        </p:spPr>
-        <p:txBody>
-          <a:bodyPr/>
-          <a:lstStyle/>
-          <a:p>
-            <a:r>
-              <a:rPr lang="en-US" b="1" u="sng" dirty="0"/>
-              <a:t>Tag Line</a:t>
-            </a:r>
-          </a:p>
-        </p:txBody>
-      </p:sp>
-      <p:sp>
-        <p:nvSpPr>
-          <p:cNvPr id="3" name="Content Placeholder 2">
-            <a:extLst>
-              <a:ext uri="{FF2B5EF4-FFF2-40B4-BE49-F238E27FC236}">
-                <a16:creationId xmlns:a16="http://schemas.microsoft.com/office/drawing/2014/main" id="{06C7840C-E20C-4AAA-A0A0-BFA150FF086A}"/>
-              </a:ext>
-            </a:extLst>
-          </p:cNvPr>
-          <p:cNvSpPr>
-            <a:spLocks noGrp="1"/>
-          </p:cNvSpPr>
-          <p:nvPr>
-            <p:ph idx="1"/>
-          </p:nvPr>
-        </p:nvSpPr>
-        <p:spPr>
-          <a:xfrm>
-            <a:off x="330144" y="1001126"/>
-            <a:ext cx="4659710" cy="1099127"/>
-          </a:xfrm>
-        </p:spPr>
-        <p:txBody>
-          <a:bodyPr>
-            <a:normAutofit fontScale="92500"/>
-          </a:bodyPr>
-          <a:lstStyle/>
-          <a:p>
-            <a:r>
-              <a:rPr lang="en-US" i="1" dirty="0"/>
-              <a:t>“Professional suggested budgeting made easy for you!”</a:t>
-            </a:r>
-          </a:p>
-        </p:txBody>
-      </p:sp>
-      <p:pic>
-        <p:nvPicPr>
-          <p:cNvPr id="4" name="Picture 3">
-            <a:extLst>
-              <a:ext uri="{FF2B5EF4-FFF2-40B4-BE49-F238E27FC236}">
-                <a16:creationId xmlns:a16="http://schemas.microsoft.com/office/drawing/2014/main" id="{943475A1-6B8E-4537-AA85-877C93B7D752}"/>
+                <a16:creationId xmlns:a16="http://schemas.microsoft.com/office/drawing/2014/main" id="{4007F0C7-8EFD-4AB1-B698-C5E87B2B47AF}"/>
               </a:ext>
             </a:extLst>
           </p:cNvPr>
@@ -3223,8 +3143,8 @@
         </p:blipFill>
         <p:spPr>
           <a:xfrm>
-            <a:off x="5159375" y="3920059"/>
-            <a:ext cx="6953250" cy="2857500"/>
+            <a:off x="3760573" y="3363167"/>
+            <a:ext cx="4421193" cy="3093617"/>
           </a:xfrm>
           <a:prstGeom prst="rect">
             <a:avLst/>
@@ -3233,10 +3153,10 @@
       </p:pic>
       <p:pic>
         <p:nvPicPr>
-          <p:cNvPr id="5" name="Picture 4">
+          <p:cNvPr id="9" name="Picture 8">
             <a:extLst>
               <a:ext uri="{FF2B5EF4-FFF2-40B4-BE49-F238E27FC236}">
-                <a16:creationId xmlns:a16="http://schemas.microsoft.com/office/drawing/2014/main" id="{2E74BD8F-87E9-4B80-9505-723B7B71A915}"/>
+                <a16:creationId xmlns:a16="http://schemas.microsoft.com/office/drawing/2014/main" id="{1F5C160B-60F2-47E1-B0A3-CE7E8BCEC528}"/>
               </a:ext>
             </a:extLst>
           </p:cNvPr>
@@ -3253,8 +3173,8 @@
         </p:blipFill>
         <p:spPr>
           <a:xfrm>
-            <a:off x="79375" y="4093530"/>
-            <a:ext cx="2309091" cy="2684030"/>
+            <a:off x="8281911" y="2687216"/>
+            <a:ext cx="3809252" cy="4086894"/>
           </a:xfrm>
           <a:prstGeom prst="rect">
             <a:avLst/>
@@ -3263,10 +3183,10 @@
       </p:pic>
       <p:pic>
         <p:nvPicPr>
-          <p:cNvPr id="6" name="Picture 5">
+          <p:cNvPr id="4" name="Picture 3">
             <a:extLst>
               <a:ext uri="{FF2B5EF4-FFF2-40B4-BE49-F238E27FC236}">
-                <a16:creationId xmlns:a16="http://schemas.microsoft.com/office/drawing/2014/main" id="{905DE415-1DC0-4573-8AB3-06D4C5B67A6B}"/>
+                <a16:creationId xmlns:a16="http://schemas.microsoft.com/office/drawing/2014/main" id="{E8215F1C-F9B6-40E7-81C2-14960F3706CD}"/>
               </a:ext>
             </a:extLst>
           </p:cNvPr>
@@ -3283,98 +3203,8 @@
         </p:blipFill>
         <p:spPr>
           <a:xfrm>
-            <a:off x="204065" y="2048993"/>
-            <a:ext cx="4911869" cy="1969601"/>
-          </a:xfrm>
-          <a:prstGeom prst="rect">
-            <a:avLst/>
-          </a:prstGeom>
-        </p:spPr>
-      </p:pic>
-      <p:pic>
-        <p:nvPicPr>
-          <p:cNvPr id="7" name="Picture 6">
-            <a:extLst>
-              <a:ext uri="{FF2B5EF4-FFF2-40B4-BE49-F238E27FC236}">
-                <a16:creationId xmlns:a16="http://schemas.microsoft.com/office/drawing/2014/main" id="{19405F45-FEF5-49E9-B42A-24C92D662D92}"/>
-              </a:ext>
-            </a:extLst>
-          </p:cNvPr>
-          <p:cNvPicPr>
-            <a:picLocks noChangeAspect="1"/>
-          </p:cNvPicPr>
-          <p:nvPr/>
-        </p:nvPicPr>
-        <p:blipFill>
-          <a:blip r:embed="rId5"/>
-          <a:stretch>
-            <a:fillRect/>
-          </a:stretch>
-        </p:blipFill>
-        <p:spPr>
-          <a:xfrm>
-            <a:off x="9735127" y="185306"/>
-            <a:ext cx="2377498" cy="3664432"/>
-          </a:xfrm>
-          <a:prstGeom prst="rect">
-            <a:avLst/>
-          </a:prstGeom>
-        </p:spPr>
-      </p:pic>
-      <p:pic>
-        <p:nvPicPr>
-          <p:cNvPr id="8" name="Picture 7">
-            <a:extLst>
-              <a:ext uri="{FF2B5EF4-FFF2-40B4-BE49-F238E27FC236}">
-                <a16:creationId xmlns:a16="http://schemas.microsoft.com/office/drawing/2014/main" id="{F7A2DDAD-0197-436B-B4AA-DF6E6057D970}"/>
-              </a:ext>
-            </a:extLst>
-          </p:cNvPr>
-          <p:cNvPicPr>
-            <a:picLocks noChangeAspect="1"/>
-          </p:cNvPicPr>
-          <p:nvPr/>
-        </p:nvPicPr>
-        <p:blipFill>
-          <a:blip r:embed="rId6"/>
-          <a:stretch>
-            <a:fillRect/>
-          </a:stretch>
-        </p:blipFill>
-        <p:spPr>
-          <a:xfrm>
-            <a:off x="2431905" y="4093529"/>
-            <a:ext cx="2684030" cy="2684030"/>
-          </a:xfrm>
-          <a:prstGeom prst="rect">
-            <a:avLst/>
-          </a:prstGeom>
-        </p:spPr>
-      </p:pic>
-      <p:pic>
-        <p:nvPicPr>
-          <p:cNvPr id="9" name="Picture 8">
-            <a:extLst>
-              <a:ext uri="{FF2B5EF4-FFF2-40B4-BE49-F238E27FC236}">
-                <a16:creationId xmlns:a16="http://schemas.microsoft.com/office/drawing/2014/main" id="{149C38BD-5A50-40BC-9FB2-E847D36D7583}"/>
-              </a:ext>
-            </a:extLst>
-          </p:cNvPr>
-          <p:cNvPicPr>
-            <a:picLocks noChangeAspect="1"/>
-          </p:cNvPicPr>
-          <p:nvPr/>
-        </p:nvPicPr>
-        <p:blipFill>
-          <a:blip r:embed="rId7"/>
-          <a:stretch>
-            <a:fillRect/>
-          </a:stretch>
-        </p:blipFill>
-        <p:spPr>
-          <a:xfrm>
-            <a:off x="5159375" y="185306"/>
-            <a:ext cx="4462156" cy="3664433"/>
+            <a:off x="111989" y="2133483"/>
+            <a:ext cx="3557456" cy="4086895"/>
           </a:xfrm>
           <a:prstGeom prst="rect">
             <a:avLst/>
@@ -3384,7 +3214,7 @@
     </p:spTree>
     <p:extLst>
       <p:ext uri="{BB962C8B-B14F-4D97-AF65-F5344CB8AC3E}">
-        <p14:creationId xmlns:p14="http://schemas.microsoft.com/office/powerpoint/2010/main" val="416320189"/>
+        <p14:creationId xmlns:p14="http://schemas.microsoft.com/office/powerpoint/2010/main" val="218403405"/>
       </p:ext>
     </p:extLst>
   </p:cSld>
@@ -3394,7 +3224,7 @@
 </p:sld>
 </file>
 
-<file path=ppt/slides/slide3.xml><?xml version="1.0" encoding="utf-8"?>
+<file path=ppt/slides/slide2.xml><?xml version="1.0" encoding="utf-8"?>
 <p:sld xmlns:a="http://schemas.openxmlformats.org/drawingml/2006/main" xmlns:r="http://schemas.openxmlformats.org/officeDocument/2006/relationships" xmlns:p="http://schemas.openxmlformats.org/presentationml/2006/main">
   <p:cSld>
     <p:spTree>
@@ -3573,7 +3403,7 @@
 </p:sld>
 </file>
 
-<file path=ppt/slides/slide4.xml><?xml version="1.0" encoding="utf-8"?>
+<file path=ppt/slides/slide3.xml><?xml version="1.0" encoding="utf-8"?>
 <p:sld xmlns:a="http://schemas.openxmlformats.org/drawingml/2006/main" xmlns:r="http://schemas.openxmlformats.org/officeDocument/2006/relationships" xmlns:p="http://schemas.openxmlformats.org/presentationml/2006/main">
   <p:cSld>
     <p:spTree>
@@ -3886,7 +3716,7 @@
 </p:sld>
 </file>
 
-<file path=ppt/slides/slide5.xml><?xml version="1.0" encoding="utf-8"?>
+<file path=ppt/slides/slide4.xml><?xml version="1.0" encoding="utf-8"?>
 <p:sld xmlns:a="http://schemas.openxmlformats.org/drawingml/2006/main" xmlns:r="http://schemas.openxmlformats.org/officeDocument/2006/relationships" xmlns:p="http://schemas.openxmlformats.org/presentationml/2006/main">
   <p:cSld>
     <p:spTree>
@@ -4047,7 +3877,7 @@
 </p:sld>
 </file>
 
-<file path=ppt/slides/slide6.xml><?xml version="1.0" encoding="utf-8"?>
+<file path=ppt/slides/slide5.xml><?xml version="1.0" encoding="utf-8"?>
 <p:sld xmlns:a="http://schemas.openxmlformats.org/drawingml/2006/main" xmlns:r="http://schemas.openxmlformats.org/officeDocument/2006/relationships" xmlns:p="http://schemas.openxmlformats.org/presentationml/2006/main">
   <p:cSld>
     <p:spTree>
@@ -4137,6 +3967,148 @@
 </p:sld>
 </file>
 
+<file path=ppt/slides/slide6.xml><?xml version="1.0" encoding="utf-8"?>
+<p:sld xmlns:a="http://schemas.openxmlformats.org/drawingml/2006/main" xmlns:r="http://schemas.openxmlformats.org/officeDocument/2006/relationships" xmlns:p="http://schemas.openxmlformats.org/presentationml/2006/main">
+  <p:cSld>
+    <p:spTree>
+      <p:nvGrpSpPr>
+        <p:cNvPr id="1" name=""/>
+        <p:cNvGrpSpPr/>
+        <p:nvPr/>
+      </p:nvGrpSpPr>
+      <p:grpSpPr>
+        <a:xfrm>
+          <a:off x="0" y="0"/>
+          <a:ext cx="0" cy="0"/>
+          <a:chOff x="0" y="0"/>
+          <a:chExt cx="0" cy="0"/>
+        </a:xfrm>
+      </p:grpSpPr>
+      <p:sp>
+        <p:nvSpPr>
+          <p:cNvPr id="2" name="Title 1">
+            <a:extLst>
+              <a:ext uri="{FF2B5EF4-FFF2-40B4-BE49-F238E27FC236}">
+                <a16:creationId xmlns:a16="http://schemas.microsoft.com/office/drawing/2014/main" id="{8714302F-A771-4095-9479-4612404353D9}"/>
+              </a:ext>
+            </a:extLst>
+          </p:cNvPr>
+          <p:cNvSpPr>
+            <a:spLocks noGrp="1"/>
+          </p:cNvSpPr>
+          <p:nvPr>
+            <p:ph type="title"/>
+          </p:nvPr>
+        </p:nvSpPr>
+        <p:spPr/>
+        <p:txBody>
+          <a:bodyPr/>
+          <a:lstStyle/>
+          <a:p>
+            <a:r>
+              <a:rPr lang="en-US" b="1" u="sng" dirty="0"/>
+              <a:t>Related Python Code</a:t>
+            </a:r>
+          </a:p>
+        </p:txBody>
+      </p:sp>
+      <p:sp>
+        <p:nvSpPr>
+          <p:cNvPr id="3" name="Content Placeholder 2">
+            <a:extLst>
+              <a:ext uri="{FF2B5EF4-FFF2-40B4-BE49-F238E27FC236}">
+                <a16:creationId xmlns:a16="http://schemas.microsoft.com/office/drawing/2014/main" id="{8FD733CF-C4A1-4150-8D6B-6EC4D6EC122F}"/>
+              </a:ext>
+            </a:extLst>
+          </p:cNvPr>
+          <p:cNvSpPr>
+            <a:spLocks noGrp="1"/>
+          </p:cNvSpPr>
+          <p:nvPr>
+            <p:ph idx="1"/>
+          </p:nvPr>
+        </p:nvSpPr>
+        <p:spPr/>
+        <p:txBody>
+          <a:bodyPr/>
+          <a:lstStyle/>
+          <a:p>
+            <a:r>
+              <a:rPr lang="en-US" dirty="0"/>
+              <a:t>Used some code from Katie </a:t>
+            </a:r>
+            <a:r>
+              <a:rPr lang="en-US" dirty="0" err="1"/>
+              <a:t>Musso</a:t>
+            </a:r>
+            <a:r>
+              <a:rPr lang="en-US" dirty="0"/>
+              <a:t> Budgeting project on KSU </a:t>
+            </a:r>
+            <a:r>
+              <a:rPr lang="en-US" dirty="0" err="1"/>
+              <a:t>Github</a:t>
+            </a:r>
+            <a:endParaRPr lang="en-US" dirty="0"/>
+          </a:p>
+          <a:p>
+            <a:pPr lvl="1"/>
+            <a:r>
+              <a:rPr lang="en-US" dirty="0">
+                <a:hlinkClick r:id="rId2"/>
+              </a:rPr>
+              <a:t>https://github.com/ksu-is/Budgeting</a:t>
+            </a:r>
+            <a:endParaRPr lang="en-US" dirty="0"/>
+          </a:p>
+          <a:p>
+            <a:r>
+              <a:rPr lang="en-US" dirty="0"/>
+              <a:t>Had same idea and needs for code</a:t>
+            </a:r>
+          </a:p>
+          <a:p>
+            <a:r>
+              <a:rPr lang="en-US" dirty="0"/>
+              <a:t>Need make own calculation</a:t>
+            </a:r>
+          </a:p>
+          <a:p>
+            <a:r>
+              <a:rPr lang="en-US" dirty="0"/>
+              <a:t>Need to remove and add functions</a:t>
+            </a:r>
+          </a:p>
+          <a:p>
+            <a:r>
+              <a:rPr lang="en-US" dirty="0"/>
+              <a:t>No money function format</a:t>
+            </a:r>
+          </a:p>
+          <a:p>
+            <a:r>
+              <a:rPr lang="en-US" dirty="0"/>
+              <a:t>Like the quit and introduction messages</a:t>
+            </a:r>
+          </a:p>
+          <a:p>
+            <a:endParaRPr lang="en-US" dirty="0"/>
+          </a:p>
+        </p:txBody>
+      </p:sp>
+    </p:spTree>
+    <p:extLst>
+      <p:ext uri="{BB962C8B-B14F-4D97-AF65-F5344CB8AC3E}">
+        <p14:creationId xmlns:p14="http://schemas.microsoft.com/office/powerpoint/2010/main" val="1488327722"/>
+      </p:ext>
+    </p:extLst>
+  </p:cSld>
+  <p:clrMapOvr>
+    <a:masterClrMapping/>
+  </p:clrMapOvr>
+</p:sld>
+</file>
+
 <file path=ppt/slides/slide7.xml><?xml version="1.0" encoding="utf-8"?>
 <p:sld xmlns:a="http://schemas.openxmlformats.org/drawingml/2006/main" xmlns:r="http://schemas.openxmlformats.org/officeDocument/2006/relationships" xmlns:p="http://schemas.openxmlformats.org/presentationml/2006/main">
   <p:cSld>
@@ -4159,142 +4131,6 @@
           <p:cNvPr id="2" name="Title 1">
             <a:extLst>
               <a:ext uri="{FF2B5EF4-FFF2-40B4-BE49-F238E27FC236}">
-                <a16:creationId xmlns:a16="http://schemas.microsoft.com/office/drawing/2014/main" id="{8714302F-A771-4095-9479-4612404353D9}"/>
-              </a:ext>
-            </a:extLst>
-          </p:cNvPr>
-          <p:cNvSpPr>
-            <a:spLocks noGrp="1"/>
-          </p:cNvSpPr>
-          <p:nvPr>
-            <p:ph type="title"/>
-          </p:nvPr>
-        </p:nvSpPr>
-        <p:spPr/>
-        <p:txBody>
-          <a:bodyPr/>
-          <a:lstStyle/>
-          <a:p>
-            <a:r>
-              <a:rPr lang="en-US" b="1" u="sng" dirty="0"/>
-              <a:t>Related Python Code</a:t>
-            </a:r>
-          </a:p>
-        </p:txBody>
-      </p:sp>
-      <p:sp>
-        <p:nvSpPr>
-          <p:cNvPr id="3" name="Content Placeholder 2">
-            <a:extLst>
-              <a:ext uri="{FF2B5EF4-FFF2-40B4-BE49-F238E27FC236}">
-                <a16:creationId xmlns:a16="http://schemas.microsoft.com/office/drawing/2014/main" id="{8FD733CF-C4A1-4150-8D6B-6EC4D6EC122F}"/>
-              </a:ext>
-            </a:extLst>
-          </p:cNvPr>
-          <p:cNvSpPr>
-            <a:spLocks noGrp="1"/>
-          </p:cNvSpPr>
-          <p:nvPr>
-            <p:ph idx="1"/>
-          </p:nvPr>
-        </p:nvSpPr>
-        <p:spPr/>
-        <p:txBody>
-          <a:bodyPr/>
-          <a:lstStyle/>
-          <a:p>
-            <a:r>
-              <a:rPr lang="en-US" dirty="0"/>
-              <a:t>Used some code from Katie </a:t>
-            </a:r>
-            <a:r>
-              <a:rPr lang="en-US" dirty="0" err="1"/>
-              <a:t>Musso</a:t>
-            </a:r>
-            <a:r>
-              <a:rPr lang="en-US" dirty="0"/>
-              <a:t> Budgeting project on KSU </a:t>
-            </a:r>
-            <a:r>
-              <a:rPr lang="en-US" dirty="0" err="1"/>
-              <a:t>Github</a:t>
-            </a:r>
-            <a:endParaRPr lang="en-US" dirty="0"/>
-          </a:p>
-          <a:p>
-            <a:pPr lvl="1"/>
-            <a:r>
-              <a:rPr lang="en-US" dirty="0">
-                <a:hlinkClick r:id="rId2"/>
-              </a:rPr>
-              <a:t>https://github.com/ksu-is/Budgeting</a:t>
-            </a:r>
-            <a:endParaRPr lang="en-US" dirty="0"/>
-          </a:p>
-          <a:p>
-            <a:r>
-              <a:rPr lang="en-US" dirty="0"/>
-              <a:t>Had same idea and needs for code</a:t>
-            </a:r>
-          </a:p>
-          <a:p>
-            <a:r>
-              <a:rPr lang="en-US" dirty="0"/>
-              <a:t>Need make own calculation</a:t>
-            </a:r>
-          </a:p>
-          <a:p>
-            <a:r>
-              <a:rPr lang="en-US" dirty="0"/>
-              <a:t>Need to remove and add functions</a:t>
-            </a:r>
-          </a:p>
-          <a:p>
-            <a:r>
-              <a:rPr lang="en-US" dirty="0"/>
-              <a:t>Like the quit and introduction messages</a:t>
-            </a:r>
-          </a:p>
-          <a:p>
-            <a:endParaRPr lang="en-US" dirty="0"/>
-          </a:p>
-        </p:txBody>
-      </p:sp>
-    </p:spTree>
-    <p:extLst>
-      <p:ext uri="{BB962C8B-B14F-4D97-AF65-F5344CB8AC3E}">
-        <p14:creationId xmlns:p14="http://schemas.microsoft.com/office/powerpoint/2010/main" val="1488327722"/>
-      </p:ext>
-    </p:extLst>
-  </p:cSld>
-  <p:clrMapOvr>
-    <a:masterClrMapping/>
-  </p:clrMapOvr>
-</p:sld>
-</file>
-
-<file path=ppt/slides/slide8.xml><?xml version="1.0" encoding="utf-8"?>
-<p:sld xmlns:a="http://schemas.openxmlformats.org/drawingml/2006/main" xmlns:r="http://schemas.openxmlformats.org/officeDocument/2006/relationships" xmlns:p="http://schemas.openxmlformats.org/presentationml/2006/main">
-  <p:cSld>
-    <p:spTree>
-      <p:nvGrpSpPr>
-        <p:cNvPr id="1" name=""/>
-        <p:cNvGrpSpPr/>
-        <p:nvPr/>
-      </p:nvGrpSpPr>
-      <p:grpSpPr>
-        <a:xfrm>
-          <a:off x="0" y="0"/>
-          <a:ext cx="0" cy="0"/>
-          <a:chOff x="0" y="0"/>
-          <a:chExt cx="0" cy="0"/>
-        </a:xfrm>
-      </p:grpSpPr>
-      <p:sp>
-        <p:nvSpPr>
-          <p:cNvPr id="2" name="Title 1">
-            <a:extLst>
-              <a:ext uri="{FF2B5EF4-FFF2-40B4-BE49-F238E27FC236}">
                 <a16:creationId xmlns:a16="http://schemas.microsoft.com/office/drawing/2014/main" id="{E4B6DB6F-AF7F-42E9-BFEA-C19FC7E35E3A}"/>
               </a:ext>
             </a:extLst>
@@ -4350,10 +4186,10 @@
       </p:sp>
       <p:pic>
         <p:nvPicPr>
-          <p:cNvPr id="4" name="Picture 3">
+          <p:cNvPr id="5" name="Picture 4">
             <a:extLst>
               <a:ext uri="{FF2B5EF4-FFF2-40B4-BE49-F238E27FC236}">
-                <a16:creationId xmlns:a16="http://schemas.microsoft.com/office/drawing/2014/main" id="{E6E50EFB-1E17-4206-9FF2-B0E592C16470}"/>
+                <a16:creationId xmlns:a16="http://schemas.microsoft.com/office/drawing/2014/main" id="{BC84FC48-4786-42FD-B122-BD7F85CE5993}"/>
               </a:ext>
             </a:extLst>
           </p:cNvPr>
@@ -4370,8 +4206,8 @@
         </p:blipFill>
         <p:spPr>
           <a:xfrm>
-            <a:off x="128829" y="1326996"/>
-            <a:ext cx="5523826" cy="5452495"/>
+            <a:off x="5791201" y="78509"/>
+            <a:ext cx="6271970" cy="6728655"/>
           </a:xfrm>
           <a:prstGeom prst="rect">
             <a:avLst/>
@@ -4380,10 +4216,10 @@
       </p:pic>
       <p:pic>
         <p:nvPicPr>
-          <p:cNvPr id="5" name="Picture 4">
+          <p:cNvPr id="6" name="Picture 5">
             <a:extLst>
               <a:ext uri="{FF2B5EF4-FFF2-40B4-BE49-F238E27FC236}">
-                <a16:creationId xmlns:a16="http://schemas.microsoft.com/office/drawing/2014/main" id="{BC84FC48-4786-42FD-B122-BD7F85CE5993}"/>
+                <a16:creationId xmlns:a16="http://schemas.microsoft.com/office/drawing/2014/main" id="{2ED63743-8A80-4942-9C6A-166FE1275E10}"/>
               </a:ext>
             </a:extLst>
           </p:cNvPr>
@@ -4400,8 +4236,8 @@
         </p:blipFill>
         <p:spPr>
           <a:xfrm>
-            <a:off x="5791201" y="78509"/>
-            <a:ext cx="6271970" cy="6728655"/>
+            <a:off x="128829" y="1195423"/>
+            <a:ext cx="5533062" cy="5500141"/>
           </a:xfrm>
           <a:prstGeom prst="rect">
             <a:avLst/>
@@ -4421,7 +4257,7 @@
 </p:sld>
 </file>
 
-<file path=ppt/slides/slide9.xml><?xml version="1.0" encoding="utf-8"?>
+<file path=ppt/slides/slide8.xml><?xml version="1.0" encoding="utf-8"?>
 <p:sld xmlns:a="http://schemas.openxmlformats.org/drawingml/2006/main" xmlns:r="http://schemas.openxmlformats.org/officeDocument/2006/relationships" xmlns:p="http://schemas.openxmlformats.org/presentationml/2006/main">
   <p:cSld>
     <p:spTree>
